--- a/Presentazione/MIN Valerio Desiati - Presentazione Discussione.pptx
+++ b/Presentazione/MIN Valerio Desiati - Presentazione Discussione.pptx
@@ -222,7 +222,7 @@
           <a:p>
             <a:fld id="{5F7409E6-EED8-8745-B232-DBEF601ABB7A}" type="datetimeFigureOut">
               <a:rPr lang="it-IT" smtClean="0"/>
-              <a:t>22/06/2023</a:t>
+              <a:t>24/06/2023</a:t>
             </a:fld>
             <a:endParaRPr lang="it-IT" dirty="0"/>
           </a:p>
@@ -2401,7 +2401,7 @@
           <a:p>
             <a:fld id="{FECD8529-05FA-4643-B720-2EA2E48117F4}" type="datetime1">
               <a:rPr lang="it-IT" smtClean="0"/>
-              <a:t>22/06/2023</a:t>
+              <a:t>24/06/2023</a:t>
             </a:fld>
             <a:endParaRPr lang="it-IT" dirty="0"/>
           </a:p>
@@ -2611,7 +2611,7 @@
           <a:p>
             <a:fld id="{63EFCFB1-60F0-5744-8F82-405AFE408E7C}" type="datetime1">
               <a:rPr lang="it-IT" smtClean="0"/>
-              <a:t>22/06/2023</a:t>
+              <a:t>24/06/2023</a:t>
             </a:fld>
             <a:endParaRPr lang="it-IT" dirty="0"/>
           </a:p>
@@ -2831,7 +2831,7 @@
           <a:p>
             <a:fld id="{D594D1BC-4595-374D-9A6C-D62313477D45}" type="datetime1">
               <a:rPr lang="it-IT" smtClean="0"/>
-              <a:t>22/06/2023</a:t>
+              <a:t>24/06/2023</a:t>
             </a:fld>
             <a:endParaRPr lang="it-IT" dirty="0"/>
           </a:p>
@@ -3041,7 +3041,7 @@
           <a:p>
             <a:fld id="{2A3556A1-1290-7E41-9698-BDF32A4643C7}" type="datetime1">
               <a:rPr lang="it-IT" smtClean="0"/>
-              <a:t>22/06/2023</a:t>
+              <a:t>24/06/2023</a:t>
             </a:fld>
             <a:endParaRPr lang="it-IT" dirty="0"/>
           </a:p>
@@ -3328,7 +3328,7 @@
           <a:p>
             <a:fld id="{453D6EF6-EAEF-8441-A1C8-FA5BA58DF336}" type="datetime1">
               <a:rPr lang="it-IT" smtClean="0"/>
-              <a:t>22/06/2023</a:t>
+              <a:t>24/06/2023</a:t>
             </a:fld>
             <a:endParaRPr lang="it-IT" dirty="0"/>
           </a:p>
@@ -3605,7 +3605,7 @@
           <a:p>
             <a:fld id="{67B081B3-A9A3-824B-9262-F74A31FB76DC}" type="datetime1">
               <a:rPr lang="it-IT" smtClean="0"/>
-              <a:t>22/06/2023</a:t>
+              <a:t>24/06/2023</a:t>
             </a:fld>
             <a:endParaRPr lang="it-IT" dirty="0"/>
           </a:p>
@@ -4029,7 +4029,7 @@
           <a:p>
             <a:fld id="{6C96453B-2FA4-E342-8E1A-84A1A9B3F75F}" type="datetime1">
               <a:rPr lang="it-IT" smtClean="0"/>
-              <a:t>22/06/2023</a:t>
+              <a:t>24/06/2023</a:t>
             </a:fld>
             <a:endParaRPr lang="it-IT" dirty="0"/>
           </a:p>
@@ -4182,7 +4182,7 @@
           <a:p>
             <a:fld id="{1E4DD496-A03C-3C45-92F3-E74BF400C225}" type="datetime1">
               <a:rPr lang="it-IT" smtClean="0"/>
-              <a:t>22/06/2023</a:t>
+              <a:t>24/06/2023</a:t>
             </a:fld>
             <a:endParaRPr lang="it-IT" dirty="0"/>
           </a:p>
@@ -4307,7 +4307,7 @@
           <a:p>
             <a:fld id="{BDEC223D-F6F9-4F4D-87AE-7A5837ED6E77}" type="datetime1">
               <a:rPr lang="it-IT" smtClean="0"/>
-              <a:t>22/06/2023</a:t>
+              <a:t>24/06/2023</a:t>
             </a:fld>
             <a:endParaRPr lang="it-IT" dirty="0"/>
           </a:p>
@@ -4630,7 +4630,7 @@
           <a:p>
             <a:fld id="{EBF8F1EF-51D2-B64E-B375-F598E0F15E07}" type="datetime1">
               <a:rPr lang="it-IT" smtClean="0"/>
-              <a:t>22/06/2023</a:t>
+              <a:t>24/06/2023</a:t>
             </a:fld>
             <a:endParaRPr lang="it-IT" dirty="0"/>
           </a:p>
@@ -4930,7 +4930,7 @@
           <a:p>
             <a:fld id="{DE207030-58F3-FC44-91BB-2B4E4798FE1E}" type="datetime1">
               <a:rPr lang="it-IT" smtClean="0"/>
-              <a:t>22/06/2023</a:t>
+              <a:t>24/06/2023</a:t>
             </a:fld>
             <a:endParaRPr lang="it-IT" dirty="0"/>
           </a:p>
@@ -5183,7 +5183,7 @@
           <a:p>
             <a:fld id="{DA6E310D-410C-F94A-9E6B-1D0924BCDA6B}" type="datetime1">
               <a:rPr lang="it-IT" smtClean="0"/>
-              <a:t>22/06/2023</a:t>
+              <a:t>24/06/2023</a:t>
             </a:fld>
             <a:endParaRPr lang="it-IT" dirty="0"/>
           </a:p>
@@ -9637,13 +9637,13 @@
   <p:clrMapOvr>
     <a:masterClrMapping/>
   </p:clrMapOvr>
-  <mc:AlternateContent xmlns:mc="http://schemas.openxmlformats.org/markup-compatibility/2006">
-    <mc:Choice xmlns:p159="http://schemas.microsoft.com/office/powerpoint/2015/09/main" Requires="p159">
+  <mc:AlternateContent xmlns:mc="http://schemas.openxmlformats.org/markup-compatibility/2006" xmlns:p159="http://schemas.microsoft.com/office/powerpoint/2015/09/main">
+    <mc:Choice Requires="p159">
       <p:transition advClick="0">
         <p159:morph option="byObject"/>
       </p:transition>
     </mc:Choice>
-    <mc:Fallback>
+    <mc:Fallback xmlns="">
       <p:transition advClick="0">
         <p:fade/>
       </p:transition>
@@ -10966,10 +10966,10 @@
       </p:sp>
       <p:pic>
         <p:nvPicPr>
-          <p:cNvPr id="11" name="Immagine 10" descr="Immagine che contiene schermata, nero, design&#10;&#10;Descrizione generata automaticamente">
-            <a:extLst>
-              <a:ext uri="{FF2B5EF4-FFF2-40B4-BE49-F238E27FC236}">
-                <a16:creationId xmlns:a16="http://schemas.microsoft.com/office/drawing/2014/main" id="{89E78C9D-A69A-9585-7608-F768912CD2C8}"/>
+          <p:cNvPr id="10" name="Immagine 9" descr="Immagine che contiene testo, schermata, diagramma, linea&#10;&#10;Descrizione generata automaticamente">
+            <a:extLst>
+              <a:ext uri="{FF2B5EF4-FFF2-40B4-BE49-F238E27FC236}">
+                <a16:creationId xmlns:a16="http://schemas.microsoft.com/office/drawing/2014/main" id="{E718DD97-CE22-C953-13C4-BAC9582DCF38}"/>
               </a:ext>
             </a:extLst>
           </p:cNvPr>
@@ -10986,8 +10986,8 @@
         </p:blipFill>
         <p:spPr>
           <a:xfrm>
-            <a:off x="1728813" y="1690688"/>
-            <a:ext cx="8734373" cy="3795229"/>
+            <a:off x="1654082" y="1690688"/>
+            <a:ext cx="8883835" cy="3903169"/>
           </a:xfrm>
           <a:prstGeom prst="rect">
             <a:avLst/>
